--- a/Session-2/Introduction-to-Backend-Part1.pptx
+++ b/Session-2/Introduction-to-Backend-Part1.pptx
@@ -16,7 +16,6 @@
     <p:sldId id="264" r:id="rId11"/>
     <p:sldId id="265" r:id="rId12"/>
     <p:sldId id="266" r:id="rId13"/>
-    <p:sldId id="267" r:id="rId14"/>
   </p:sldIdLst>
   <p:sldSz cx="10080625" cy="7559675"/>
   <p:notesSz cx="7559675" cy="10691812"/>
@@ -1440,7 +1439,7 @@
           <a:bodyPr lIns="0" rIns="0" tIns="0" bIns="0"/>
           <a:p>
             <a:pPr algn="r"/>
-            <a:fld id="{58A9FC98-7654-49EC-9359-58C04C2CBEF0}" type="slidenum">
+            <a:fld id="{46ABE319-2698-4A26-871B-CD3EAA2D2FDE}" type="slidenum">
               <a:rPr lang="en-IN" sz="1400">
                 <a:latin typeface="Times New Roman"/>
               </a:rPr>
@@ -1559,6 +1558,33 @@
       </p:sp>
     </p:spTree>
   </p:cSld>
+  <p:timing>
+    <p:tnLst>
+      <p:par>
+        <p:cTn id="1" dur="indefinite" restart="never" nodeType="tmRoot">
+          <p:childTnLst>
+            <p:seq>
+              <p:cTn id="2" nodeType="mainSeq"/>
+              <p:prevCondLst>
+                <p:cond delay="0" evt="onPrev">
+                  <p:tgtEl>
+                    <p:sldTgt/>
+                  </p:tgtEl>
+                </p:cond>
+              </p:prevCondLst>
+              <p:nextCondLst>
+                <p:cond delay="0" evt="onNext">
+                  <p:tgtEl>
+                    <p:sldTgt/>
+                  </p:tgtEl>
+                </p:cond>
+              </p:nextCondLst>
+            </p:seq>
+          </p:childTnLst>
+        </p:cTn>
+      </p:par>
+    </p:tnLst>
+  </p:timing>
 </p:sld>
 </file>
 
@@ -1581,7 +1607,7 @@
       </p:grpSpPr>
       <p:sp>
         <p:nvSpPr>
-          <p:cNvPr id="51" name="TextShape 1"/>
+          <p:cNvPr id="52" name="TextShape 1"/>
           <p:cNvSpPr txBox="1"/>
           <p:nvPr/>
         </p:nvSpPr>
@@ -1602,15 +1628,15 @@
               <a:rPr lang="en-IN" sz="4400">
                 <a:latin typeface="Arial"/>
               </a:rPr>
-              <a:t>Koding.com</a:t>
-            </a:r>
-            <a:endParaRPr/>
-          </a:p>
-        </p:txBody>
-      </p:sp>
-      <p:sp>
-        <p:nvSpPr>
-          <p:cNvPr id="52" name="TextShape 2"/>
+              <a:t>XAMPP</a:t>
+            </a:r>
+            <a:endParaRPr/>
+          </a:p>
+        </p:txBody>
+      </p:sp>
+      <p:sp>
+        <p:nvSpPr>
+          <p:cNvPr id="53" name="TextShape 2"/>
           <p:cNvSpPr txBox="1"/>
           <p:nvPr/>
         </p:nvSpPr>
@@ -1635,7 +1661,7 @@
               <a:rPr lang="en-IN" sz="3200">
                 <a:latin typeface="Arial"/>
               </a:rPr>
-              <a:t>A computer for you on the cloud, with all the features which your laptop can have except the GUI. </a:t>
+              <a:t>Installation</a:t>
             </a:r>
             <a:endParaRPr/>
           </a:p>
@@ -1649,7 +1675,21 @@
               <a:rPr lang="en-IN" sz="3200">
                 <a:latin typeface="Arial"/>
               </a:rPr>
-              <a:t>Btw – we use this and google app engine to bypass the internet restrictions on campus – now that you have to figure out yourself. </a:t>
+              <a:t>Your first web server</a:t>
+            </a:r>
+            <a:endParaRPr/>
+          </a:p>
+          <a:p>
+            <a:pPr>
+              <a:buSzPct val="45000"/>
+              <a:buFont typeface="StarSymbol"/>
+              <a:buChar char=""/>
+            </a:pPr>
+            <a:r>
+              <a:rPr lang="en-IN" sz="3200">
+                <a:latin typeface="Arial"/>
+              </a:rPr>
+              <a:t>File Sharing </a:t>
             </a:r>
             <a:endParaRPr/>
           </a:p>
@@ -1657,6 +1697,33 @@
       </p:sp>
     </p:spTree>
   </p:cSld>
+  <p:timing>
+    <p:tnLst>
+      <p:par>
+        <p:cTn id="19" dur="indefinite" restart="never" nodeType="tmRoot">
+          <p:childTnLst>
+            <p:seq>
+              <p:cTn id="20" nodeType="mainSeq"/>
+              <p:prevCondLst>
+                <p:cond delay="0" evt="onPrev">
+                  <p:tgtEl>
+                    <p:sldTgt/>
+                  </p:tgtEl>
+                </p:cond>
+              </p:prevCondLst>
+              <p:nextCondLst>
+                <p:cond delay="0" evt="onNext">
+                  <p:tgtEl>
+                    <p:sldTgt/>
+                  </p:tgtEl>
+                </p:cond>
+              </p:nextCondLst>
+            </p:seq>
+          </p:childTnLst>
+        </p:cTn>
+      </p:par>
+    </p:tnLst>
+  </p:timing>
 </p:sld>
 </file>
 
@@ -1679,7 +1746,7 @@
       </p:grpSpPr>
       <p:sp>
         <p:nvSpPr>
-          <p:cNvPr id="53" name="TextShape 1"/>
+          <p:cNvPr id="54" name="TextShape 1"/>
           <p:cNvSpPr txBox="1"/>
           <p:nvPr/>
         </p:nvSpPr>
@@ -1700,15 +1767,15 @@
               <a:rPr lang="en-IN" sz="4400">
                 <a:latin typeface="Arial"/>
               </a:rPr>
-              <a:t>XAMPP</a:t>
-            </a:r>
-            <a:endParaRPr/>
-          </a:p>
-        </p:txBody>
-      </p:sp>
-      <p:sp>
-        <p:nvSpPr>
-          <p:cNvPr id="54" name="TextShape 2"/>
+              <a:t>Wifi File Transfer Android App</a:t>
+            </a:r>
+            <a:endParaRPr/>
+          </a:p>
+        </p:txBody>
+      </p:sp>
+      <p:sp>
+        <p:nvSpPr>
+          <p:cNvPr id="55" name="TextShape 2"/>
           <p:cNvSpPr txBox="1"/>
           <p:nvPr/>
         </p:nvSpPr>
@@ -1733,7 +1800,7 @@
               <a:rPr lang="en-IN" sz="3200">
                 <a:latin typeface="Arial"/>
               </a:rPr>
-              <a:t>Installation</a:t>
+              <a:t>AirDroid</a:t>
             </a:r>
             <a:endParaRPr/>
           </a:p>
@@ -1747,7 +1814,7 @@
               <a:rPr lang="en-IN" sz="3200">
                 <a:latin typeface="Arial"/>
               </a:rPr>
-              <a:t>Your first web server</a:t>
+              <a:t>Wifi File Transfer (app)</a:t>
             </a:r>
             <a:endParaRPr/>
           </a:p>
@@ -1761,7 +1828,7 @@
               <a:rPr lang="en-IN" sz="3200">
                 <a:latin typeface="Arial"/>
               </a:rPr>
-              <a:t>File Sharing </a:t>
+              <a:t>These apps use more or less the same technologies which we covered today. </a:t>
             </a:r>
             <a:endParaRPr/>
           </a:p>
@@ -1769,79 +1836,33 @@
       </p:sp>
     </p:spTree>
   </p:cSld>
-</p:sld>
-</file>
-
-<file path=ppt/slides/slide12.xml><?xml version="1.0" encoding="utf-8"?>
-<p:sld xmlns:a="http://schemas.openxmlformats.org/drawingml/2006/main" xmlns:p="http://schemas.openxmlformats.org/presentationml/2006/main" xmlns:r="http://schemas.openxmlformats.org/officeDocument/2006/relationships">
-  <p:cSld>
-    <p:spTree>
-      <p:nvGrpSpPr>
-        <p:cNvPr id="1" name=""/>
-        <p:cNvGrpSpPr/>
-        <p:nvPr/>
-      </p:nvGrpSpPr>
-      <p:grpSpPr>
-        <a:xfrm>
-          <a:off x="0" y="0"/>
-          <a:ext cx="0" cy="0"/>
-          <a:chOff x="0" y="0"/>
-          <a:chExt cx="0" cy="0"/>
-        </a:xfrm>
-      </p:grpSpPr>
-      <p:sp>
-        <p:nvSpPr>
-          <p:cNvPr id="55" name="TextShape 1"/>
-          <p:cNvSpPr txBox="1"/>
-          <p:nvPr/>
-        </p:nvSpPr>
-        <p:spPr>
-          <a:xfrm>
-            <a:off x="504000" y="301320"/>
-            <a:ext cx="9071640" cy="1262160"/>
-          </a:xfrm>
-          <a:prstGeom prst="rect">
-            <a:avLst/>
-          </a:prstGeom>
-        </p:spPr>
-        <p:txBody>
-          <a:bodyPr lIns="0" rIns="0" tIns="0" bIns="0" anchor="ctr"/>
-          <a:p>
-            <a:pPr algn="ctr"/>
-            <a:r>
-              <a:rPr lang="en-IN" sz="4400">
-                <a:latin typeface="Arial"/>
-              </a:rPr>
-              <a:t>Wifi File Transfer Android App</a:t>
-            </a:r>
-            <a:endParaRPr/>
-          </a:p>
-        </p:txBody>
-      </p:sp>
-      <p:sp>
-        <p:nvSpPr>
-          <p:cNvPr id="56" name="TextShape 2"/>
-          <p:cNvSpPr txBox="1"/>
-          <p:nvPr/>
-        </p:nvSpPr>
-        <p:spPr>
-          <a:xfrm>
-            <a:off x="504000" y="1769040"/>
-            <a:ext cx="9071640" cy="4384440"/>
-          </a:xfrm>
-          <a:prstGeom prst="rect">
-            <a:avLst/>
-          </a:prstGeom>
-        </p:spPr>
-        <p:txBody>
-          <a:bodyPr lIns="0" rIns="0" tIns="0" bIns="0"/>
-          <a:p>
-            <a:endParaRPr/>
-          </a:p>
-        </p:txBody>
-      </p:sp>
-    </p:spTree>
-  </p:cSld>
+  <p:timing>
+    <p:tnLst>
+      <p:par>
+        <p:cTn id="21" dur="indefinite" restart="never" nodeType="tmRoot">
+          <p:childTnLst>
+            <p:seq>
+              <p:cTn id="22" nodeType="mainSeq"/>
+              <p:prevCondLst>
+                <p:cond delay="0" evt="onPrev">
+                  <p:tgtEl>
+                    <p:sldTgt/>
+                  </p:tgtEl>
+                </p:cond>
+              </p:prevCondLst>
+              <p:nextCondLst>
+                <p:cond delay="0" evt="onNext">
+                  <p:tgtEl>
+                    <p:sldTgt/>
+                  </p:tgtEl>
+                </p:cond>
+              </p:nextCondLst>
+            </p:seq>
+          </p:childTnLst>
+        </p:cTn>
+      </p:par>
+    </p:tnLst>
+  </p:timing>
 </p:sld>
 </file>
 
@@ -1862,33 +1883,152 @@
           <a:chExt cx="0" cy="0"/>
         </a:xfrm>
       </p:grpSpPr>
-      <p:pic>
-        <p:nvPicPr>
-          <p:cNvPr id="41" name="" descr=""/>
-          <p:cNvPicPr/>
+      <p:sp>
+        <p:nvSpPr>
+          <p:cNvPr id="41" name="TextShape 1"/>
+          <p:cNvSpPr txBox="1"/>
           <p:nvPr/>
-        </p:nvPicPr>
-        <p:blipFill>
-          <a:blip r:embed="rId1"/>
-          <a:stretch>
-            <a:fillRect/>
-          </a:stretch>
-        </p:blipFill>
-        <p:spPr>
-          <a:xfrm>
-            <a:off x="1432440" y="574560"/>
-            <a:ext cx="5263560" cy="4897440"/>
-          </a:xfrm>
-          <a:prstGeom prst="rect">
-            <a:avLst/>
-          </a:prstGeom>
-          <a:ln>
-            <a:noFill/>
-          </a:ln>
-        </p:spPr>
-      </p:pic>
+        </p:nvSpPr>
+        <p:spPr>
+          <a:xfrm>
+            <a:off x="504000" y="1769040"/>
+            <a:ext cx="9071640" cy="4384440"/>
+          </a:xfrm>
+          <a:prstGeom prst="rect">
+            <a:avLst/>
+          </a:prstGeom>
+        </p:spPr>
+        <p:txBody>
+          <a:bodyPr lIns="0" rIns="0" tIns="0" bIns="0"/>
+          <a:p>
+            <a:pPr>
+              <a:buSzPct val="45000"/>
+              <a:buFont typeface="StarSymbol"/>
+              <a:buChar char=""/>
+            </a:pPr>
+            <a:r>
+              <a:rPr lang="en-IN" sz="3200">
+                <a:latin typeface="Arial"/>
+              </a:rPr>
+              <a:t>There are different kinds of servers – some of the most common ones are - </a:t>
+            </a:r>
+            <a:endParaRPr/>
+          </a:p>
+          <a:p>
+            <a:pPr lvl="1">
+              <a:buSzPct val="75000"/>
+              <a:buFont typeface="StarSymbol"/>
+              <a:buChar char=""/>
+            </a:pPr>
+            <a:r>
+              <a:rPr lang="en-IN" sz="2800">
+                <a:latin typeface="Arial"/>
+              </a:rPr>
+              <a:t>Database Server</a:t>
+            </a:r>
+            <a:endParaRPr/>
+          </a:p>
+          <a:p>
+            <a:pPr lvl="1">
+              <a:buSzPct val="75000"/>
+              <a:buFont typeface="StarSymbol"/>
+              <a:buChar char=""/>
+            </a:pPr>
+            <a:r>
+              <a:rPr lang="en-IN" sz="2800">
+                <a:latin typeface="Arial"/>
+              </a:rPr>
+              <a:t>File Server</a:t>
+            </a:r>
+            <a:endParaRPr/>
+          </a:p>
+          <a:p>
+            <a:pPr lvl="1">
+              <a:buSzPct val="75000"/>
+              <a:buFont typeface="StarSymbol"/>
+              <a:buChar char=""/>
+            </a:pPr>
+            <a:r>
+              <a:rPr lang="en-IN" sz="2800">
+                <a:latin typeface="Arial"/>
+              </a:rPr>
+              <a:t>Mail Server</a:t>
+            </a:r>
+            <a:endParaRPr/>
+          </a:p>
+          <a:p>
+            <a:pPr lvl="1">
+              <a:buSzPct val="75000"/>
+              <a:buFont typeface="StarSymbol"/>
+              <a:buChar char=""/>
+            </a:pPr>
+            <a:r>
+              <a:rPr lang="en-IN" sz="2800">
+                <a:latin typeface="Arial"/>
+              </a:rPr>
+              <a:t>Print Server</a:t>
+            </a:r>
+            <a:endParaRPr/>
+          </a:p>
+          <a:p>
+            <a:pPr lvl="1">
+              <a:buSzPct val="75000"/>
+              <a:buFont typeface="StarSymbol"/>
+              <a:buChar char=""/>
+            </a:pPr>
+            <a:r>
+              <a:rPr lang="en-IN" sz="2800">
+                <a:latin typeface="Arial"/>
+              </a:rPr>
+              <a:t>Web Server</a:t>
+            </a:r>
+            <a:endParaRPr/>
+          </a:p>
+          <a:p>
+            <a:pPr lvl="1">
+              <a:buSzPct val="75000"/>
+              <a:buFont typeface="StarSymbol"/>
+              <a:buChar char=""/>
+            </a:pPr>
+            <a:r>
+              <a:rPr lang="en-IN" sz="2800">
+                <a:latin typeface="Arial"/>
+              </a:rPr>
+              <a:t>Gaming Server</a:t>
+            </a:r>
+            <a:endParaRPr/>
+          </a:p>
+        </p:txBody>
+      </p:sp>
     </p:spTree>
   </p:cSld>
+  <p:timing>
+    <p:tnLst>
+      <p:par>
+        <p:cTn id="3" dur="indefinite" restart="never" nodeType="tmRoot">
+          <p:childTnLst>
+            <p:seq>
+              <p:cTn id="4" nodeType="mainSeq"/>
+              <p:prevCondLst>
+                <p:cond delay="0" evt="onPrev">
+                  <p:tgtEl>
+                    <p:sldTgt/>
+                  </p:tgtEl>
+                </p:cond>
+              </p:prevCondLst>
+              <p:nextCondLst>
+                <p:cond delay="0" evt="onNext">
+                  <p:tgtEl>
+                    <p:sldTgt/>
+                  </p:tgtEl>
+                </p:cond>
+              </p:nextCondLst>
+            </p:seq>
+          </p:childTnLst>
+        </p:cTn>
+      </p:par>
+    </p:tnLst>
+  </p:timing>
 </p:sld>
 </file>
 
@@ -1936,91 +2076,35 @@
               <a:rPr lang="en-IN" sz="3200">
                 <a:latin typeface="Arial"/>
               </a:rPr>
-              <a:t>There are different kinds of servers – some of the most common ones are - </a:t>
-            </a:r>
-            <a:endParaRPr/>
-          </a:p>
-          <a:p>
-            <a:pPr lvl="1">
-              <a:buSzPct val="75000"/>
-              <a:buFont typeface="StarSymbol"/>
-              <a:buChar char=""/>
-            </a:pPr>
-            <a:r>
-              <a:rPr lang="en-IN" sz="2800">
-                <a:latin typeface="Arial"/>
-              </a:rPr>
-              <a:t>Database Server</a:t>
-            </a:r>
-            <a:endParaRPr/>
-          </a:p>
-          <a:p>
-            <a:pPr lvl="1">
-              <a:buSzPct val="75000"/>
-              <a:buFont typeface="StarSymbol"/>
-              <a:buChar char=""/>
-            </a:pPr>
-            <a:r>
-              <a:rPr lang="en-IN" sz="2800">
-                <a:latin typeface="Arial"/>
-              </a:rPr>
-              <a:t>File Server</a:t>
-            </a:r>
-            <a:endParaRPr/>
-          </a:p>
-          <a:p>
-            <a:pPr lvl="1">
-              <a:buSzPct val="75000"/>
-              <a:buFont typeface="StarSymbol"/>
-              <a:buChar char=""/>
-            </a:pPr>
-            <a:r>
-              <a:rPr lang="en-IN" sz="2800">
-                <a:latin typeface="Arial"/>
-              </a:rPr>
-              <a:t>Mail Server</a:t>
-            </a:r>
-            <a:endParaRPr/>
-          </a:p>
-          <a:p>
-            <a:pPr lvl="1">
-              <a:buSzPct val="75000"/>
-              <a:buFont typeface="StarSymbol"/>
-              <a:buChar char=""/>
-            </a:pPr>
-            <a:r>
-              <a:rPr lang="en-IN" sz="2800">
-                <a:latin typeface="Arial"/>
-              </a:rPr>
-              <a:t>Print Server</a:t>
-            </a:r>
-            <a:endParaRPr/>
-          </a:p>
-          <a:p>
-            <a:pPr lvl="1">
-              <a:buSzPct val="75000"/>
-              <a:buFont typeface="StarSymbol"/>
-              <a:buChar char=""/>
-            </a:pPr>
-            <a:r>
-              <a:rPr lang="en-IN" sz="2800">
-                <a:latin typeface="Arial"/>
-              </a:rPr>
-              <a:t>Web Server</a:t>
-            </a:r>
-            <a:endParaRPr/>
-          </a:p>
-          <a:p>
-            <a:pPr lvl="1">
-              <a:buSzPct val="75000"/>
-              <a:buFont typeface="StarSymbol"/>
-              <a:buChar char=""/>
-            </a:pPr>
-            <a:r>
-              <a:rPr lang="en-IN" sz="2800">
-                <a:latin typeface="Arial"/>
-              </a:rPr>
-              <a:t>Gaming Server</a:t>
+              <a:t>Servers can run on any computer – example – Your laptop also – Yes.</a:t>
+            </a:r>
+            <a:endParaRPr/>
+          </a:p>
+          <a:p>
+            <a:pPr>
+              <a:buSzPct val="45000"/>
+              <a:buFont typeface="StarSymbol"/>
+              <a:buChar char=""/>
+            </a:pPr>
+            <a:r>
+              <a:rPr lang="en-IN" sz="3200">
+                <a:latin typeface="Arial"/>
+              </a:rPr>
+              <a:t>Dedicated Servers – run only those softwares which are relevant for those set of functions which the server performs.</a:t>
+            </a:r>
+            <a:endParaRPr/>
+          </a:p>
+          <a:p>
+            <a:pPr>
+              <a:buSzPct val="45000"/>
+              <a:buFont typeface="StarSymbol"/>
+              <a:buChar char=""/>
+            </a:pPr>
+            <a:r>
+              <a:rPr lang="en-IN" sz="3200">
+                <a:latin typeface="Arial"/>
+              </a:rPr>
+              <a:t>Why dedicated servers are used? </a:t>
             </a:r>
             <a:endParaRPr/>
           </a:p>
@@ -2028,6 +2112,33 @@
       </p:sp>
     </p:spTree>
   </p:cSld>
+  <p:timing>
+    <p:tnLst>
+      <p:par>
+        <p:cTn id="5" dur="indefinite" restart="never" nodeType="tmRoot">
+          <p:childTnLst>
+            <p:seq>
+              <p:cTn id="6" nodeType="mainSeq"/>
+              <p:prevCondLst>
+                <p:cond delay="0" evt="onPrev">
+                  <p:tgtEl>
+                    <p:sldTgt/>
+                  </p:tgtEl>
+                </p:cond>
+              </p:prevCondLst>
+              <p:nextCondLst>
+                <p:cond delay="0" evt="onNext">
+                  <p:tgtEl>
+                    <p:sldTgt/>
+                  </p:tgtEl>
+                </p:cond>
+              </p:nextCondLst>
+            </p:seq>
+          </p:childTnLst>
+        </p:cTn>
+      </p:par>
+    </p:tnLst>
+  </p:timing>
 </p:sld>
 </file>
 
@@ -2075,21 +2186,7 @@
               <a:rPr lang="en-IN" sz="3200">
                 <a:latin typeface="Arial"/>
               </a:rPr>
-              <a:t>Servers can run on any computer – example – Your laptop also – Yes.</a:t>
-            </a:r>
-            <a:endParaRPr/>
-          </a:p>
-          <a:p>
-            <a:pPr>
-              <a:buSzPct val="45000"/>
-              <a:buFont typeface="StarSymbol"/>
-              <a:buChar char=""/>
-            </a:pPr>
-            <a:r>
-              <a:rPr lang="en-IN" sz="3200">
-                <a:latin typeface="Arial"/>
-              </a:rPr>
-              <a:t>But why use dedicated systems as Servers? </a:t>
+              <a:t>Why do you think that IIIT-B needs a data center to manage its internet whereas at our home we just install a modem and we are done?</a:t>
             </a:r>
             <a:endParaRPr/>
           </a:p>
@@ -2097,6 +2194,33 @@
       </p:sp>
     </p:spTree>
   </p:cSld>
+  <p:timing>
+    <p:tnLst>
+      <p:par>
+        <p:cTn id="7" dur="indefinite" restart="never" nodeType="tmRoot">
+          <p:childTnLst>
+            <p:seq>
+              <p:cTn id="8" nodeType="mainSeq"/>
+              <p:prevCondLst>
+                <p:cond delay="0" evt="onPrev">
+                  <p:tgtEl>
+                    <p:sldTgt/>
+                  </p:tgtEl>
+                </p:cond>
+              </p:prevCondLst>
+              <p:nextCondLst>
+                <p:cond delay="0" evt="onNext">
+                  <p:tgtEl>
+                    <p:sldTgt/>
+                  </p:tgtEl>
+                </p:cond>
+              </p:nextCondLst>
+            </p:seq>
+          </p:childTnLst>
+        </p:cTn>
+      </p:par>
+    </p:tnLst>
+  </p:timing>
 </p:sld>
 </file>
 
@@ -2125,6 +2249,35 @@
         </p:nvSpPr>
         <p:spPr>
           <a:xfrm>
+            <a:off x="504000" y="301320"/>
+            <a:ext cx="9071640" cy="1262160"/>
+          </a:xfrm>
+          <a:prstGeom prst="rect">
+            <a:avLst/>
+          </a:prstGeom>
+        </p:spPr>
+        <p:txBody>
+          <a:bodyPr lIns="0" rIns="0" tIns="0" bIns="0" anchor="ctr"/>
+          <a:p>
+            <a:pPr algn="ctr"/>
+            <a:r>
+              <a:rPr lang="en-IN" sz="4400">
+                <a:latin typeface="Arial"/>
+              </a:rPr>
+              <a:t>Cloud</a:t>
+            </a:r>
+            <a:endParaRPr/>
+          </a:p>
+        </p:txBody>
+      </p:sp>
+      <p:sp>
+        <p:nvSpPr>
+          <p:cNvPr id="45" name="TextShape 2"/>
+          <p:cNvSpPr txBox="1"/>
+          <p:nvPr/>
+        </p:nvSpPr>
+        <p:spPr>
+          <a:xfrm>
             <a:off x="504000" y="1769040"/>
             <a:ext cx="9071640" cy="4384440"/>
           </a:xfrm>
@@ -2135,23 +2288,39 @@
         <p:txBody>
           <a:bodyPr lIns="0" rIns="0" tIns="0" bIns="0"/>
           <a:p>
-            <a:pPr>
-              <a:buSzPct val="45000"/>
-              <a:buFont typeface="StarSymbol"/>
-              <a:buChar char=""/>
-            </a:pPr>
-            <a:r>
-              <a:rPr lang="en-IN" sz="3200">
-                <a:latin typeface="Arial"/>
-              </a:rPr>
-              <a:t>Why do you think that IIIT-B needs a data center to manage its internet whereas at our home we just install a modem and we are done?</a:t>
-            </a:r>
             <a:endParaRPr/>
           </a:p>
         </p:txBody>
       </p:sp>
     </p:spTree>
   </p:cSld>
+  <p:timing>
+    <p:tnLst>
+      <p:par>
+        <p:cTn id="9" dur="indefinite" restart="never" nodeType="tmRoot">
+          <p:childTnLst>
+            <p:seq>
+              <p:cTn id="10" nodeType="mainSeq"/>
+              <p:prevCondLst>
+                <p:cond delay="0" evt="onPrev">
+                  <p:tgtEl>
+                    <p:sldTgt/>
+                  </p:tgtEl>
+                </p:cond>
+              </p:prevCondLst>
+              <p:nextCondLst>
+                <p:cond delay="0" evt="onNext">
+                  <p:tgtEl>
+                    <p:sldTgt/>
+                  </p:tgtEl>
+                </p:cond>
+              </p:nextCondLst>
+            </p:seq>
+          </p:childTnLst>
+        </p:cTn>
+      </p:par>
+    </p:tnLst>
+  </p:timing>
 </p:sld>
 </file>
 
@@ -2174,41 +2343,12 @@
       </p:grpSpPr>
       <p:sp>
         <p:nvSpPr>
-          <p:cNvPr id="45" name="TextShape 1"/>
+          <p:cNvPr id="46" name="TextShape 1"/>
           <p:cNvSpPr txBox="1"/>
           <p:nvPr/>
         </p:nvSpPr>
         <p:spPr>
           <a:xfrm>
-            <a:off x="504000" y="301320"/>
-            <a:ext cx="9071640" cy="1262160"/>
-          </a:xfrm>
-          <a:prstGeom prst="rect">
-            <a:avLst/>
-          </a:prstGeom>
-        </p:spPr>
-        <p:txBody>
-          <a:bodyPr lIns="0" rIns="0" tIns="0" bIns="0" anchor="ctr"/>
-          <a:p>
-            <a:pPr algn="ctr"/>
-            <a:r>
-              <a:rPr lang="en-IN" sz="4400">
-                <a:latin typeface="Arial"/>
-              </a:rPr>
-              <a:t>Cloud</a:t>
-            </a:r>
-            <a:endParaRPr/>
-          </a:p>
-        </p:txBody>
-      </p:sp>
-      <p:sp>
-        <p:nvSpPr>
-          <p:cNvPr id="46" name="TextShape 2"/>
-          <p:cNvSpPr txBox="1"/>
-          <p:nvPr/>
-        </p:nvSpPr>
-        <p:spPr>
-          <a:xfrm>
             <a:off x="504000" y="1769040"/>
             <a:ext cx="9071640" cy="4384440"/>
           </a:xfrm>
@@ -2219,12 +2359,50 @@
         <p:txBody>
           <a:bodyPr lIns="0" rIns="0" tIns="0" bIns="0"/>
           <a:p>
+            <a:pPr>
+              <a:buSzPct val="45000"/>
+              <a:buFont typeface="StarSymbol"/>
+              <a:buChar char=""/>
+            </a:pPr>
+            <a:r>
+              <a:rPr lang="en-IN" sz="3200">
+                <a:latin typeface="Arial"/>
+              </a:rPr>
+              <a:t>Imagine all the servers in the data center of  IIITB going out of IIITB and noone at IIITB cares about how the servers are maintained because someone else takes the responsibility and things go smooth as wanted – in layman terms – that's cloud. </a:t>
+            </a:r>
             <a:endParaRPr/>
           </a:p>
         </p:txBody>
       </p:sp>
     </p:spTree>
   </p:cSld>
+  <p:timing>
+    <p:tnLst>
+      <p:par>
+        <p:cTn id="11" dur="indefinite" restart="never" nodeType="tmRoot">
+          <p:childTnLst>
+            <p:seq>
+              <p:cTn id="12" nodeType="mainSeq"/>
+              <p:prevCondLst>
+                <p:cond delay="0" evt="onPrev">
+                  <p:tgtEl>
+                    <p:sldTgt/>
+                  </p:tgtEl>
+                </p:cond>
+              </p:prevCondLst>
+              <p:nextCondLst>
+                <p:cond delay="0" evt="onNext">
+                  <p:tgtEl>
+                    <p:sldTgt/>
+                  </p:tgtEl>
+                </p:cond>
+              </p:nextCondLst>
+            </p:seq>
+          </p:childTnLst>
+        </p:cTn>
+      </p:par>
+    </p:tnLst>
+  </p:timing>
 </p:sld>
 </file>
 
@@ -2280,6 +2458,33 @@
       </p:sp>
     </p:spTree>
   </p:cSld>
+  <p:timing>
+    <p:tnLst>
+      <p:par>
+        <p:cTn id="13" dur="indefinite" restart="never" nodeType="tmRoot">
+          <p:childTnLst>
+            <p:seq>
+              <p:cTn id="14" nodeType="mainSeq"/>
+              <p:prevCondLst>
+                <p:cond delay="0" evt="onPrev">
+                  <p:tgtEl>
+                    <p:sldTgt/>
+                  </p:tgtEl>
+                </p:cond>
+              </p:prevCondLst>
+              <p:nextCondLst>
+                <p:cond delay="0" evt="onNext">
+                  <p:tgtEl>
+                    <p:sldTgt/>
+                  </p:tgtEl>
+                </p:cond>
+              </p:nextCondLst>
+            </p:seq>
+          </p:childTnLst>
+        </p:cTn>
+      </p:par>
+    </p:tnLst>
+  </p:timing>
 </p:sld>
 </file>
 
@@ -2308,6 +2513,35 @@
         </p:nvSpPr>
         <p:spPr>
           <a:xfrm>
+            <a:off x="504000" y="301320"/>
+            <a:ext cx="9071640" cy="1262160"/>
+          </a:xfrm>
+          <a:prstGeom prst="rect">
+            <a:avLst/>
+          </a:prstGeom>
+        </p:spPr>
+        <p:txBody>
+          <a:bodyPr lIns="0" rIns="0" tIns="0" bIns="0" anchor="ctr"/>
+          <a:p>
+            <a:pPr algn="ctr"/>
+            <a:r>
+              <a:rPr lang="en-IN" sz="4400">
+                <a:latin typeface="Arial"/>
+              </a:rPr>
+              <a:t>Why Cloud is a Buzzword these days?</a:t>
+            </a:r>
+            <a:endParaRPr/>
+          </a:p>
+        </p:txBody>
+      </p:sp>
+      <p:sp>
+        <p:nvSpPr>
+          <p:cNvPr id="49" name="TextShape 2"/>
+          <p:cNvSpPr txBox="1"/>
+          <p:nvPr/>
+        </p:nvSpPr>
+        <p:spPr>
+          <a:xfrm>
             <a:off x="504000" y="1769040"/>
             <a:ext cx="9071640" cy="4384440"/>
           </a:xfrm>
@@ -2327,7 +2561,83 @@
               <a:rPr lang="en-IN" sz="3200">
                 <a:latin typeface="Arial"/>
               </a:rPr>
-              <a:t>Imagine all the servers in the data center of  IIITB going out of IIITB and noone at IIITB cares about how the servers are maintained because someone else takes the responsibility and things go smooth as wanted – in layman terms – that's cloud. </a:t>
+              <a:t>Suppose I want to have a new website for myself – </a:t>
+            </a:r>
+            <a:r>
+              <a:rPr lang="en-IN" sz="3200">
+                <a:latin typeface="Arial"/>
+              </a:rPr>
+              <a:t>www.example.com</a:t>
+            </a:r>
+            <a:endParaRPr/>
+          </a:p>
+          <a:p>
+            <a:pPr lvl="1">
+              <a:buSzPct val="75000"/>
+              <a:buFont typeface="StarSymbol"/>
+              <a:buChar char=""/>
+            </a:pPr>
+            <a:r>
+              <a:rPr lang="en-IN" sz="2800">
+                <a:latin typeface="Arial"/>
+              </a:rPr>
+              <a:t>Two Options</a:t>
+            </a:r>
+            <a:endParaRPr/>
+          </a:p>
+          <a:p>
+            <a:pPr lvl="2">
+              <a:buSzPct val="45000"/>
+              <a:buFont typeface="StarSymbol"/>
+              <a:buChar char=""/>
+            </a:pPr>
+            <a:r>
+              <a:rPr lang="en-IN" sz="2400">
+                <a:latin typeface="Arial"/>
+              </a:rPr>
+              <a:t>1. Buy a new computer to put in my website and make sure that the computer is always on. </a:t>
+            </a:r>
+            <a:endParaRPr/>
+          </a:p>
+          <a:p>
+            <a:pPr lvl="3">
+              <a:buSzPct val="75000"/>
+              <a:buFont typeface="StarSymbol"/>
+              <a:buChar char=""/>
+            </a:pPr>
+            <a:r>
+              <a:rPr lang="en-IN" sz="2000">
+                <a:latin typeface="Arial"/>
+              </a:rPr>
+              <a:t>Get a internet connection and hope it never fails</a:t>
+            </a:r>
+            <a:endParaRPr/>
+          </a:p>
+          <a:p>
+            <a:pPr lvl="3">
+              <a:buSzPct val="75000"/>
+              <a:buFont typeface="StarSymbol"/>
+              <a:buChar char=""/>
+            </a:pPr>
+            <a:r>
+              <a:rPr lang="en-IN" sz="2000">
+                <a:latin typeface="Arial"/>
+              </a:rPr>
+              <a:t>Pay 30-40k in the process and also monthly expenditures of the internet connection and maintenance.</a:t>
+            </a:r>
+            <a:endParaRPr/>
+          </a:p>
+          <a:p>
+            <a:pPr lvl="2">
+              <a:buSzPct val="45000"/>
+              <a:buFont typeface="StarSymbol"/>
+              <a:buChar char=""/>
+            </a:pPr>
+            <a:r>
+              <a:rPr lang="en-IN" sz="2400">
+                <a:latin typeface="Arial"/>
+              </a:rPr>
+              <a:t>2. I rent some space on Internet (with some Cloud provider) and pay them a fraction of what I would have done otherwise.</a:t>
             </a:r>
             <a:endParaRPr/>
           </a:p>
@@ -2335,6 +2645,33 @@
       </p:sp>
     </p:spTree>
   </p:cSld>
+  <p:timing>
+    <p:tnLst>
+      <p:par>
+        <p:cTn id="15" dur="indefinite" restart="never" nodeType="tmRoot">
+          <p:childTnLst>
+            <p:seq>
+              <p:cTn id="16" nodeType="mainSeq"/>
+              <p:prevCondLst>
+                <p:cond delay="0" evt="onPrev">
+                  <p:tgtEl>
+                    <p:sldTgt/>
+                  </p:tgtEl>
+                </p:cond>
+              </p:prevCondLst>
+              <p:nextCondLst>
+                <p:cond delay="0" evt="onNext">
+                  <p:tgtEl>
+                    <p:sldTgt/>
+                  </p:tgtEl>
+                </p:cond>
+              </p:nextCondLst>
+            </p:seq>
+          </p:childTnLst>
+        </p:cTn>
+      </p:par>
+    </p:tnLst>
+  </p:timing>
 </p:sld>
 </file>
 
@@ -2357,7 +2694,7 @@
       </p:grpSpPr>
       <p:sp>
         <p:nvSpPr>
-          <p:cNvPr id="49" name="TextShape 1"/>
+          <p:cNvPr id="50" name="TextShape 1"/>
           <p:cNvSpPr txBox="1"/>
           <p:nvPr/>
         </p:nvSpPr>
@@ -2378,15 +2715,15 @@
               <a:rPr lang="en-IN" sz="4400">
                 <a:latin typeface="Arial"/>
               </a:rPr>
-              <a:t>Why Cloud is a Buzzword these days?</a:t>
-            </a:r>
-            <a:endParaRPr/>
-          </a:p>
-        </p:txBody>
-      </p:sp>
-      <p:sp>
-        <p:nvSpPr>
-          <p:cNvPr id="50" name="TextShape 2"/>
+              <a:t>Koding.com</a:t>
+            </a:r>
+            <a:endParaRPr/>
+          </a:p>
+        </p:txBody>
+      </p:sp>
+      <p:sp>
+        <p:nvSpPr>
+          <p:cNvPr id="51" name="TextShape 2"/>
           <p:cNvSpPr txBox="1"/>
           <p:nvPr/>
         </p:nvSpPr>
@@ -2411,83 +2748,21 @@
               <a:rPr lang="en-IN" sz="3200">
                 <a:latin typeface="Arial"/>
               </a:rPr>
-              <a:t>Suppose I want to have a new website for myself – </a:t>
-            </a:r>
+              <a:t>A computer for you on the cloud, with all the features which your laptop can have except the GUI. </a:t>
+            </a:r>
+            <a:endParaRPr/>
+          </a:p>
+          <a:p>
+            <a:pPr>
+              <a:buSzPct val="45000"/>
+              <a:buFont typeface="StarSymbol"/>
+              <a:buChar char=""/>
+            </a:pPr>
             <a:r>
               <a:rPr lang="en-IN" sz="3200">
                 <a:latin typeface="Arial"/>
               </a:rPr>
-              <a:t>www.example.com</a:t>
-            </a:r>
-            <a:endParaRPr/>
-          </a:p>
-          <a:p>
-            <a:pPr lvl="1">
-              <a:buSzPct val="75000"/>
-              <a:buFont typeface="StarSymbol"/>
-              <a:buChar char=""/>
-            </a:pPr>
-            <a:r>
-              <a:rPr lang="en-IN" sz="2800">
-                <a:latin typeface="Arial"/>
-              </a:rPr>
-              <a:t>Two Options</a:t>
-            </a:r>
-            <a:endParaRPr/>
-          </a:p>
-          <a:p>
-            <a:pPr lvl="2">
-              <a:buSzPct val="45000"/>
-              <a:buFont typeface="StarSymbol"/>
-              <a:buChar char=""/>
-            </a:pPr>
-            <a:r>
-              <a:rPr lang="en-IN" sz="2400">
-                <a:latin typeface="Arial"/>
-              </a:rPr>
-              <a:t>1. Buy a new computer to put in my website and make sure that the computer is always on. </a:t>
-            </a:r>
-            <a:endParaRPr/>
-          </a:p>
-          <a:p>
-            <a:pPr lvl="3">
-              <a:buSzPct val="75000"/>
-              <a:buFont typeface="StarSymbol"/>
-              <a:buChar char=""/>
-            </a:pPr>
-            <a:r>
-              <a:rPr lang="en-IN" sz="2000">
-                <a:latin typeface="Arial"/>
-              </a:rPr>
-              <a:t>Get a internet connection and hope it never fails</a:t>
-            </a:r>
-            <a:endParaRPr/>
-          </a:p>
-          <a:p>
-            <a:pPr lvl="3">
-              <a:buSzPct val="75000"/>
-              <a:buFont typeface="StarSymbol"/>
-              <a:buChar char=""/>
-            </a:pPr>
-            <a:r>
-              <a:rPr lang="en-IN" sz="2000">
-                <a:latin typeface="Arial"/>
-              </a:rPr>
-              <a:t>Pay 30-40k in the process and also monthly expenditures of the internet connection and maintenance.</a:t>
-            </a:r>
-            <a:endParaRPr/>
-          </a:p>
-          <a:p>
-            <a:pPr lvl="2">
-              <a:buSzPct val="45000"/>
-              <a:buFont typeface="StarSymbol"/>
-              <a:buChar char=""/>
-            </a:pPr>
-            <a:r>
-              <a:rPr lang="en-IN" sz="2400">
-                <a:latin typeface="Arial"/>
-              </a:rPr>
-              <a:t>2. I rent some space on Internet (with some Cloud provider) and pay them a fraction of what I would have done otherwise.</a:t>
+              <a:t>Btw – we use this and google app engine to bypass the internet restrictions on campus – now that you have to figure out yourself. </a:t>
             </a:r>
             <a:endParaRPr/>
           </a:p>
@@ -2495,6 +2770,33 @@
       </p:sp>
     </p:spTree>
   </p:cSld>
+  <p:timing>
+    <p:tnLst>
+      <p:par>
+        <p:cTn id="17" dur="indefinite" restart="never" nodeType="tmRoot">
+          <p:childTnLst>
+            <p:seq>
+              <p:cTn id="18" nodeType="mainSeq"/>
+              <p:prevCondLst>
+                <p:cond delay="0" evt="onPrev">
+                  <p:tgtEl>
+                    <p:sldTgt/>
+                  </p:tgtEl>
+                </p:cond>
+              </p:prevCondLst>
+              <p:nextCondLst>
+                <p:cond delay="0" evt="onNext">
+                  <p:tgtEl>
+                    <p:sldTgt/>
+                  </p:tgtEl>
+                </p:cond>
+              </p:nextCondLst>
+            </p:seq>
+          </p:childTnLst>
+        </p:cTn>
+      </p:par>
+    </p:tnLst>
+  </p:timing>
 </p:sld>
 </file>
 
